--- a/media/template.pptx
+++ b/media/template.pptx
@@ -198,7 +198,7 @@
           <a:p>
             <a:fld id="{25934AA0-F8AF-4690-BE1B-3D7AA61FD7A4}" type="datetimeFigureOut">
               <a:rPr kumimoji="1" lang="ja-JP" altLang="en-US" smtClean="0"/>
-              <a:t>2021/11/18</a:t>
+              <a:t>2023/12/3</a:t>
             </a:fld>
             <a:endParaRPr kumimoji="1" lang="ja-JP" altLang="en-US"/>
           </a:p>
@@ -748,7 +748,7 @@
           <a:p>
             <a:fld id="{5138E700-03AA-4D91-9C77-329D7597348F}" type="datetimeFigureOut">
               <a:rPr kumimoji="1" lang="ja-JP" altLang="en-US" smtClean="0"/>
-              <a:t>2021/11/18</a:t>
+              <a:t>2023/12/3</a:t>
             </a:fld>
             <a:endParaRPr kumimoji="1" lang="ja-JP" altLang="en-US"/>
           </a:p>
@@ -986,7 +986,7 @@
           <a:p>
             <a:fld id="{5138E700-03AA-4D91-9C77-329D7597348F}" type="datetimeFigureOut">
               <a:rPr kumimoji="1" lang="ja-JP" altLang="en-US" smtClean="0"/>
-              <a:t>2021/11/18</a:t>
+              <a:t>2023/12/3</a:t>
             </a:fld>
             <a:endParaRPr kumimoji="1" lang="ja-JP" altLang="en-US"/>
           </a:p>
@@ -1234,7 +1234,7 @@
           <a:p>
             <a:fld id="{5138E700-03AA-4D91-9C77-329D7597348F}" type="datetimeFigureOut">
               <a:rPr kumimoji="1" lang="ja-JP" altLang="en-US" smtClean="0"/>
-              <a:t>2021/11/18</a:t>
+              <a:t>2023/12/3</a:t>
             </a:fld>
             <a:endParaRPr kumimoji="1" lang="ja-JP" altLang="en-US"/>
           </a:p>
@@ -1472,7 +1472,7 @@
           <a:p>
             <a:fld id="{5138E700-03AA-4D91-9C77-329D7597348F}" type="datetimeFigureOut">
               <a:rPr kumimoji="1" lang="ja-JP" altLang="en-US" smtClean="0"/>
-              <a:t>2021/11/18</a:t>
+              <a:t>2023/12/3</a:t>
             </a:fld>
             <a:endParaRPr kumimoji="1" lang="ja-JP" altLang="en-US"/>
           </a:p>
@@ -1755,7 +1755,7 @@
           <a:p>
             <a:fld id="{5138E700-03AA-4D91-9C77-329D7597348F}" type="datetimeFigureOut">
               <a:rPr kumimoji="1" lang="ja-JP" altLang="en-US" smtClean="0"/>
-              <a:t>2021/11/18</a:t>
+              <a:t>2023/12/3</a:t>
             </a:fld>
             <a:endParaRPr kumimoji="1" lang="ja-JP" altLang="en-US"/>
           </a:p>
@@ -2092,7 +2092,7 @@
           <a:p>
             <a:fld id="{5138E700-03AA-4D91-9C77-329D7597348F}" type="datetimeFigureOut">
               <a:rPr kumimoji="1" lang="ja-JP" altLang="en-US" smtClean="0"/>
-              <a:t>2021/11/18</a:t>
+              <a:t>2023/12/3</a:t>
             </a:fld>
             <a:endParaRPr kumimoji="1" lang="ja-JP" altLang="en-US"/>
           </a:p>
@@ -2576,7 +2576,7 @@
           <a:p>
             <a:fld id="{5138E700-03AA-4D91-9C77-329D7597348F}" type="datetimeFigureOut">
               <a:rPr kumimoji="1" lang="ja-JP" altLang="en-US" smtClean="0"/>
-              <a:t>2021/11/18</a:t>
+              <a:t>2023/12/3</a:t>
             </a:fld>
             <a:endParaRPr kumimoji="1" lang="ja-JP" altLang="en-US"/>
           </a:p>
@@ -2725,7 +2725,7 @@
           <a:p>
             <a:fld id="{5138E700-03AA-4D91-9C77-329D7597348F}" type="datetimeFigureOut">
               <a:rPr kumimoji="1" lang="ja-JP" altLang="en-US" smtClean="0"/>
-              <a:t>2021/11/18</a:t>
+              <a:t>2023/12/3</a:t>
             </a:fld>
             <a:endParaRPr kumimoji="1" lang="ja-JP" altLang="en-US"/>
           </a:p>
@@ -2846,7 +2846,7 @@
           <a:p>
             <a:fld id="{5138E700-03AA-4D91-9C77-329D7597348F}" type="datetimeFigureOut">
               <a:rPr kumimoji="1" lang="ja-JP" altLang="en-US" smtClean="0"/>
-              <a:t>2021/11/18</a:t>
+              <a:t>2023/12/3</a:t>
             </a:fld>
             <a:endParaRPr kumimoji="1" lang="ja-JP" altLang="en-US"/>
           </a:p>
@@ -3197,7 +3197,7 @@
           <a:p>
             <a:fld id="{5138E700-03AA-4D91-9C77-329D7597348F}" type="datetimeFigureOut">
               <a:rPr kumimoji="1" lang="ja-JP" altLang="en-US" smtClean="0"/>
-              <a:t>2021/11/18</a:t>
+              <a:t>2023/12/3</a:t>
             </a:fld>
             <a:endParaRPr kumimoji="1" lang="ja-JP" altLang="en-US"/>
           </a:p>
@@ -3493,7 +3493,7 @@
           <a:p>
             <a:fld id="{5138E700-03AA-4D91-9C77-329D7597348F}" type="datetimeFigureOut">
               <a:rPr kumimoji="1" lang="ja-JP" altLang="en-US" smtClean="0"/>
-              <a:t>2021/11/18</a:t>
+              <a:t>2023/12/3</a:t>
             </a:fld>
             <a:endParaRPr kumimoji="1" lang="ja-JP" altLang="en-US"/>
           </a:p>
@@ -3774,7 +3774,7 @@
           <a:p>
             <a:fld id="{5138E700-03AA-4D91-9C77-329D7597348F}" type="datetimeFigureOut">
               <a:rPr kumimoji="1" lang="ja-JP" altLang="en-US" smtClean="0"/>
-              <a:t>2021/11/18</a:t>
+              <a:t>2023/12/3</a:t>
             </a:fld>
             <a:endParaRPr kumimoji="1" lang="ja-JP" altLang="en-US"/>
           </a:p>
@@ -4263,7 +4263,7 @@
           <p:nvPr>
             <p:extLst>
               <p:ext uri="{D42A27DB-BD31-4B8C-83A1-F6EECF244321}">
-                <p14:modId xmlns:p14="http://schemas.microsoft.com/office/powerpoint/2010/main" val="2361413009"/>
+                <p14:modId xmlns:p14="http://schemas.microsoft.com/office/powerpoint/2010/main" val="4067766093"/>
               </p:ext>
             </p:extLst>
           </p:nvPr>
@@ -4620,80 +4620,6 @@
                     <a:bodyPr/>
                     <a:lstStyle/>
                     <a:p>
-                      <a:r>
-                        <a:rPr kumimoji="1" lang="ja-JP" altLang="ja-JP" sz="2400" b="0" kern="1200" dirty="0">
-                          <a:solidFill>
-                            <a:schemeClr val="tx1"/>
-                          </a:solidFill>
-                          <a:effectLst/>
-                          <a:latin typeface="+mn-ea"/>
-                          <a:ea typeface="+mn-ea"/>
-                          <a:cs typeface="+mn-cs"/>
-                        </a:rPr>
-                        <a:t>講師：</a:t>
-                      </a:r>
-                      <a:r>
-                        <a:rPr kumimoji="1" lang="ja-JP" altLang="ja-JP" sz="2400" kern="1200" dirty="0">
-                          <a:solidFill>
-                            <a:schemeClr val="tx1"/>
-                          </a:solidFill>
-                          <a:effectLst/>
-                          <a:latin typeface="+mn-lt"/>
-                          <a:ea typeface="+mn-ea"/>
-                          <a:cs typeface="+mn-cs"/>
-                        </a:rPr>
-                        <a:t>加納 一成 氏（復建調査設計株式会社　修習技術者）</a:t>
-                      </a:r>
-                    </a:p>
-                    <a:p>
-                      <a:r>
-                        <a:rPr kumimoji="1" lang="ja-JP" altLang="ja-JP" sz="2400" b="0" kern="1200" dirty="0">
-                          <a:solidFill>
-                            <a:schemeClr val="tx1"/>
-                          </a:solidFill>
-                          <a:effectLst/>
-                          <a:latin typeface="+mn-ea"/>
-                          <a:ea typeface="+mn-ea"/>
-                          <a:cs typeface="+mn-cs"/>
-                        </a:rPr>
-                        <a:t>演題：</a:t>
-                      </a:r>
-                      <a:r>
-                        <a:rPr kumimoji="1" lang="ja-JP" altLang="ja-JP" sz="2400" kern="1200" dirty="0">
-                          <a:solidFill>
-                            <a:schemeClr val="tx1"/>
-                          </a:solidFill>
-                          <a:effectLst/>
-                          <a:latin typeface="+mn-lt"/>
-                          <a:ea typeface="+mn-ea"/>
-                          <a:cs typeface="+mn-cs"/>
-                        </a:rPr>
-                        <a:t>「建設コンサルタント企業における</a:t>
-                      </a:r>
-                      <a:r>
-                        <a:rPr kumimoji="1" lang="en-US" altLang="ja-JP" sz="2400" kern="1200" dirty="0">
-                          <a:solidFill>
-                            <a:schemeClr val="tx1"/>
-                          </a:solidFill>
-                          <a:effectLst/>
-                          <a:latin typeface="+mn-lt"/>
-                          <a:ea typeface="+mn-ea"/>
-                          <a:cs typeface="+mn-cs"/>
-                        </a:rPr>
-                        <a:t>DX</a:t>
-                      </a:r>
-                      <a:r>
-                        <a:rPr kumimoji="1" lang="ja-JP" altLang="ja-JP" sz="2400" kern="1200" dirty="0">
-                          <a:solidFill>
-                            <a:schemeClr val="tx1"/>
-                          </a:solidFill>
-                          <a:effectLst/>
-                          <a:latin typeface="+mn-lt"/>
-                          <a:ea typeface="+mn-ea"/>
-                          <a:cs typeface="+mn-cs"/>
-                        </a:rPr>
-                        <a:t>推進の活動の紹介」</a:t>
-                      </a:r>
                       <a:endParaRPr kumimoji="1" lang="ja-JP" altLang="ja-JP" sz="2400" b="0" kern="1200" dirty="0">
                         <a:solidFill>
                           <a:schemeClr val="tx1"/>
@@ -5210,12 +5136,6 @@
                         <a:tabLst/>
                         <a:defRPr/>
                       </a:pPr>
-                      <a:r>
-                        <a:rPr lang="ja-JP" altLang="en-US" sz="2400" dirty="0">
-                          <a:latin typeface="+mn-lt"/>
-                        </a:rPr>
-                        <a:t>青年技術士交流会 例会</a:t>
-                      </a:r>
                       <a:endParaRPr lang="en-US" altLang="ja-JP" sz="2400" dirty="0">
                         <a:latin typeface="+mn-lt"/>
                       </a:endParaRPr>
@@ -5240,12 +5160,6 @@
                         <a:tabLst/>
                         <a:defRPr/>
                       </a:pPr>
-                      <a:r>
-                        <a:rPr lang="ja-JP" altLang="en-US" sz="2400" dirty="0">
-                          <a:latin typeface="+mn-lt"/>
-                        </a:rPr>
-                        <a:t>　①理科教室について</a:t>
-                      </a:r>
                       <a:endParaRPr lang="en-US" altLang="ja-JP" sz="2400" dirty="0">
                         <a:latin typeface="+mn-lt"/>
                       </a:endParaRPr>
@@ -5270,12 +5184,6 @@
                         <a:tabLst/>
                         <a:defRPr/>
                       </a:pPr>
-                      <a:r>
-                        <a:rPr lang="ja-JP" altLang="en-US" sz="2400" dirty="0">
-                          <a:latin typeface="+mn-lt"/>
-                        </a:rPr>
-                        <a:t>　②青年中国大会について</a:t>
-                      </a:r>
                       <a:endParaRPr lang="en-US" altLang="ja-JP" sz="2400" dirty="0">
                         <a:latin typeface="+mn-lt"/>
                       </a:endParaRPr>
@@ -5300,12 +5208,6 @@
                         <a:tabLst/>
                         <a:defRPr/>
                       </a:pPr>
-                      <a:r>
-                        <a:rPr lang="ja-JP" altLang="en-US" sz="2400" dirty="0">
-                          <a:latin typeface="+mn-lt"/>
-                        </a:rPr>
-                        <a:t>　③朝活について</a:t>
-                      </a:r>
                       <a:endParaRPr lang="en-US" altLang="ja-JP" sz="2400" dirty="0">
                         <a:latin typeface="+mn-lt"/>
                       </a:endParaRPr>
@@ -5330,12 +5232,6 @@
                         <a:tabLst/>
                         <a:defRPr/>
                       </a:pPr>
-                      <a:r>
-                        <a:rPr lang="ja-JP" altLang="en-US" sz="2400" dirty="0">
-                          <a:latin typeface="+mn-lt"/>
-                        </a:rPr>
-                        <a:t>　④その他</a:t>
-                      </a:r>
                       <a:endParaRPr lang="en-US" altLang="ja-JP" sz="2400" dirty="0">
                         <a:latin typeface="+mn-lt"/>
                       </a:endParaRPr>
@@ -5393,6 +5289,305 @@
           </a:graphicData>
         </a:graphic>
       </p:graphicFrame>
+      <p:sp>
+        <p:nvSpPr>
+          <p:cNvPr id="2" name="txtbox_koushi_endai">
+            <a:extLst>
+              <a:ext uri="{FF2B5EF4-FFF2-40B4-BE49-F238E27FC236}">
+                <a16:creationId xmlns:a16="http://schemas.microsoft.com/office/drawing/2014/main" id="{2666B3F5-DAE5-734C-7166-08F72C9CAE3D}"/>
+              </a:ext>
+            </a:extLst>
+          </p:cNvPr>
+          <p:cNvSpPr txBox="1"/>
+          <p:nvPr/>
+        </p:nvSpPr>
+        <p:spPr>
+          <a:xfrm>
+            <a:off x="1620456" y="1967696"/>
+            <a:ext cx="9230412" cy="830997"/>
+          </a:xfrm>
+          <a:prstGeom prst="rect">
+            <a:avLst/>
+          </a:prstGeom>
+          <a:noFill/>
+        </p:spPr>
+        <p:txBody>
+          <a:bodyPr wrap="none" rtlCol="0">
+            <a:spAutoFit/>
+          </a:bodyPr>
+          <a:lstStyle/>
+          <a:p>
+            <a:r>
+              <a:rPr kumimoji="1" lang="ja-JP" altLang="ja-JP" sz="2400" b="0" kern="1200">
+                <a:solidFill>
+                  <a:schemeClr val="tx1"/>
+                </a:solidFill>
+                <a:effectLst/>
+                <a:latin typeface="+mn-ea"/>
+                <a:ea typeface="+mn-ea"/>
+                <a:cs typeface="+mn-cs"/>
+              </a:rPr>
+              <a:t>講師：</a:t>
+            </a:r>
+            <a:r>
+              <a:rPr kumimoji="1" lang="ja-JP" altLang="ja-JP" sz="2400" kern="1200">
+                <a:solidFill>
+                  <a:schemeClr val="tx1"/>
+                </a:solidFill>
+                <a:effectLst/>
+                <a:latin typeface="+mn-lt"/>
+                <a:ea typeface="+mn-ea"/>
+                <a:cs typeface="+mn-cs"/>
+              </a:rPr>
+              <a:t>加納 一成 氏（復建調査設計株式会社　修習技術者）</a:t>
+            </a:r>
+          </a:p>
+          <a:p>
+            <a:r>
+              <a:rPr kumimoji="1" lang="ja-JP" altLang="ja-JP" sz="2400" b="0" kern="1200">
+                <a:solidFill>
+                  <a:schemeClr val="tx1"/>
+                </a:solidFill>
+                <a:effectLst/>
+                <a:latin typeface="+mn-ea"/>
+                <a:ea typeface="+mn-ea"/>
+                <a:cs typeface="+mn-cs"/>
+              </a:rPr>
+              <a:t>演題：</a:t>
+            </a:r>
+            <a:r>
+              <a:rPr kumimoji="1" lang="ja-JP" altLang="ja-JP" sz="2400" kern="1200">
+                <a:solidFill>
+                  <a:schemeClr val="tx1"/>
+                </a:solidFill>
+                <a:effectLst/>
+                <a:latin typeface="+mn-lt"/>
+                <a:ea typeface="+mn-ea"/>
+                <a:cs typeface="+mn-cs"/>
+              </a:rPr>
+              <a:t>「建設コンサルタント企業における</a:t>
+            </a:r>
+            <a:r>
+              <a:rPr kumimoji="1" lang="en-US" altLang="ja-JP" sz="2400" kern="1200" dirty="0">
+                <a:solidFill>
+                  <a:schemeClr val="tx1"/>
+                </a:solidFill>
+                <a:effectLst/>
+                <a:latin typeface="+mn-lt"/>
+                <a:ea typeface="+mn-ea"/>
+                <a:cs typeface="+mn-cs"/>
+              </a:rPr>
+              <a:t>DX</a:t>
+            </a:r>
+            <a:r>
+              <a:rPr kumimoji="1" lang="ja-JP" altLang="ja-JP" sz="2400" kern="1200">
+                <a:solidFill>
+                  <a:schemeClr val="tx1"/>
+                </a:solidFill>
+                <a:effectLst/>
+                <a:latin typeface="+mn-lt"/>
+                <a:ea typeface="+mn-ea"/>
+                <a:cs typeface="+mn-cs"/>
+              </a:rPr>
+              <a:t>推進の活動の紹介」</a:t>
+            </a:r>
+            <a:endParaRPr kumimoji="1" lang="ja-JP" altLang="ja-JP" sz="2400" b="0" kern="1200">
+              <a:solidFill>
+                <a:schemeClr val="tx1"/>
+              </a:solidFill>
+              <a:effectLst/>
+              <a:latin typeface="+mn-ea"/>
+              <a:ea typeface="+mn-ea"/>
+              <a:cs typeface="+mn-cs"/>
+            </a:endParaRPr>
+          </a:p>
+        </p:txBody>
+      </p:sp>
+      <p:sp>
+        <p:nvSpPr>
+          <p:cNvPr id="3" name="txtbox_reikai_contents">
+            <a:extLst>
+              <a:ext uri="{FF2B5EF4-FFF2-40B4-BE49-F238E27FC236}">
+                <a16:creationId xmlns:a16="http://schemas.microsoft.com/office/drawing/2014/main" id="{2C5E9768-007E-8A25-074C-D9688698EF90}"/>
+              </a:ext>
+            </a:extLst>
+          </p:cNvPr>
+          <p:cNvSpPr txBox="1"/>
+          <p:nvPr/>
+        </p:nvSpPr>
+        <p:spPr>
+          <a:xfrm>
+            <a:off x="1620456" y="3842794"/>
+            <a:ext cx="10472374" cy="1938992"/>
+          </a:xfrm>
+          <a:prstGeom prst="rect">
+            <a:avLst/>
+          </a:prstGeom>
+          <a:noFill/>
+        </p:spPr>
+        <p:txBody>
+          <a:bodyPr wrap="square" rtlCol="0">
+            <a:spAutoFit/>
+          </a:bodyPr>
+          <a:lstStyle/>
+          <a:p>
+            <a:pPr marL="0" marR="0" lvl="0" indent="0" algn="l" defTabSz="914400" rtl="0" eaLnBrk="1" fontAlgn="auto" latinLnBrk="0" hangingPunct="1">
+              <a:lnSpc>
+                <a:spcPct val="100000"/>
+              </a:lnSpc>
+              <a:spcBef>
+                <a:spcPts val="0"/>
+              </a:spcBef>
+              <a:spcAft>
+                <a:spcPts val="0"/>
+              </a:spcAft>
+              <a:buClr>
+                <a:schemeClr val="dk1"/>
+              </a:buClr>
+              <a:buSzPts val="2400"/>
+              <a:buFont typeface="Arial"/>
+              <a:buNone/>
+              <a:tabLst/>
+              <a:defRPr/>
+            </a:pPr>
+            <a:r>
+              <a:rPr lang="ja-JP" altLang="en-US" sz="2400">
+                <a:latin typeface="+mn-lt"/>
+              </a:rPr>
+              <a:t>青年技術士交流会 例会</a:t>
+            </a:r>
+            <a:endParaRPr lang="en-US" altLang="ja-JP" sz="2400" dirty="0">
+              <a:latin typeface="+mn-lt"/>
+            </a:endParaRPr>
+          </a:p>
+          <a:p>
+            <a:pPr marL="0" marR="0" lvl="0" indent="0" algn="l" defTabSz="914400" rtl="0" eaLnBrk="1" fontAlgn="auto" latinLnBrk="0" hangingPunct="1">
+              <a:lnSpc>
+                <a:spcPct val="100000"/>
+              </a:lnSpc>
+              <a:spcBef>
+                <a:spcPts val="0"/>
+              </a:spcBef>
+              <a:spcAft>
+                <a:spcPts val="0"/>
+              </a:spcAft>
+              <a:buClr>
+                <a:schemeClr val="dk1"/>
+              </a:buClr>
+              <a:buSzPts val="2400"/>
+              <a:buFont typeface="Arial"/>
+              <a:buNone/>
+              <a:tabLst/>
+              <a:defRPr/>
+            </a:pPr>
+            <a:r>
+              <a:rPr lang="ja-JP" altLang="en-US" sz="2400">
+                <a:latin typeface="+mn-lt"/>
+              </a:rPr>
+              <a:t>　①理科教室について</a:t>
+            </a:r>
+            <a:endParaRPr lang="en-US" altLang="ja-JP" sz="2400" dirty="0">
+              <a:latin typeface="+mn-lt"/>
+            </a:endParaRPr>
+          </a:p>
+          <a:p>
+            <a:pPr marL="0" marR="0" lvl="0" indent="0" algn="l" defTabSz="914400" rtl="0" eaLnBrk="1" fontAlgn="auto" latinLnBrk="0" hangingPunct="1">
+              <a:lnSpc>
+                <a:spcPct val="100000"/>
+              </a:lnSpc>
+              <a:spcBef>
+                <a:spcPts val="0"/>
+              </a:spcBef>
+              <a:spcAft>
+                <a:spcPts val="0"/>
+              </a:spcAft>
+              <a:buClr>
+                <a:schemeClr val="dk1"/>
+              </a:buClr>
+              <a:buSzPts val="2400"/>
+              <a:buFont typeface="Arial"/>
+              <a:buNone/>
+              <a:tabLst/>
+              <a:defRPr/>
+            </a:pPr>
+            <a:r>
+              <a:rPr lang="ja-JP" altLang="en-US" sz="2400">
+                <a:latin typeface="+mn-lt"/>
+              </a:rPr>
+              <a:t>　②青年中国大会について</a:t>
+            </a:r>
+            <a:endParaRPr lang="en-US" altLang="ja-JP" sz="2400" dirty="0">
+              <a:latin typeface="+mn-lt"/>
+            </a:endParaRPr>
+          </a:p>
+          <a:p>
+            <a:pPr marL="0" marR="0" lvl="0" indent="0" algn="l" defTabSz="914400" rtl="0" eaLnBrk="1" fontAlgn="auto" latinLnBrk="0" hangingPunct="1">
+              <a:lnSpc>
+                <a:spcPct val="100000"/>
+              </a:lnSpc>
+              <a:spcBef>
+                <a:spcPts val="0"/>
+              </a:spcBef>
+              <a:spcAft>
+                <a:spcPts val="0"/>
+              </a:spcAft>
+              <a:buClr>
+                <a:schemeClr val="dk1"/>
+              </a:buClr>
+              <a:buSzPts val="2400"/>
+              <a:buFont typeface="Arial"/>
+              <a:buNone/>
+              <a:tabLst/>
+              <a:defRPr/>
+            </a:pPr>
+            <a:r>
+              <a:rPr lang="ja-JP" altLang="en-US" sz="2400">
+                <a:latin typeface="+mn-lt"/>
+              </a:rPr>
+              <a:t>　③朝活について</a:t>
+            </a:r>
+            <a:endParaRPr lang="en-US" altLang="ja-JP" sz="2400" dirty="0">
+              <a:latin typeface="+mn-lt"/>
+            </a:endParaRPr>
+          </a:p>
+          <a:p>
+            <a:pPr marL="0" marR="0" lvl="0" indent="0" algn="l" defTabSz="914400" rtl="0" eaLnBrk="1" fontAlgn="auto" latinLnBrk="0" hangingPunct="1">
+              <a:lnSpc>
+                <a:spcPct val="100000"/>
+              </a:lnSpc>
+              <a:spcBef>
+                <a:spcPts val="0"/>
+              </a:spcBef>
+              <a:spcAft>
+                <a:spcPts val="0"/>
+              </a:spcAft>
+              <a:buClr>
+                <a:schemeClr val="dk1"/>
+              </a:buClr>
+              <a:buSzPts val="2400"/>
+              <a:buFont typeface="Arial"/>
+              <a:buNone/>
+              <a:tabLst/>
+              <a:defRPr/>
+            </a:pPr>
+            <a:r>
+              <a:rPr lang="ja-JP" altLang="en-US" sz="2400">
+                <a:latin typeface="+mn-lt"/>
+              </a:rPr>
+              <a:t>　④その他</a:t>
+            </a:r>
+            <a:endParaRPr kumimoji="1" lang="ja-JP" altLang="ja-JP" sz="2400" b="0" kern="1200">
+              <a:solidFill>
+                <a:schemeClr val="tx1"/>
+              </a:solidFill>
+              <a:effectLst/>
+              <a:latin typeface="+mn-ea"/>
+              <a:ea typeface="+mn-ea"/>
+              <a:cs typeface="+mn-cs"/>
+            </a:endParaRPr>
+          </a:p>
+        </p:txBody>
+      </p:sp>
     </p:spTree>
   </p:cSld>
   <p:clrMapOvr>
@@ -6226,7 +6421,7 @@
       </p:sp>
       <p:pic>
         <p:nvPicPr>
-          <p:cNvPr id="12" name="図 11">
+          <p:cNvPr id="12" name="pict_qrcode">
             <a:extLst>
               <a:ext uri="{FF2B5EF4-FFF2-40B4-BE49-F238E27FC236}">
                 <a16:creationId xmlns:a16="http://schemas.microsoft.com/office/drawing/2014/main" id="{32EB11EC-5581-4F0B-A502-A40744D6A83B}"/>
@@ -6262,7 +6457,7 @@
       </p:pic>
       <p:sp>
         <p:nvSpPr>
-          <p:cNvPr id="2" name="テキスト ボックス 1">
+          <p:cNvPr id="2" name="txtbox_ enquete_url">
             <a:extLst>
               <a:ext uri="{FF2B5EF4-FFF2-40B4-BE49-F238E27FC236}">
                 <a16:creationId xmlns:a16="http://schemas.microsoft.com/office/drawing/2014/main" id="{4D1D027C-5031-43BC-85D4-F7B78ABEBFBA}"/>

--- a/media/template.pptx
+++ b/media/template.pptx
@@ -198,7 +198,7 @@
           <a:p>
             <a:fld id="{25934AA0-F8AF-4690-BE1B-3D7AA61FD7A4}" type="datetimeFigureOut">
               <a:rPr kumimoji="1" lang="ja-JP" altLang="en-US" smtClean="0"/>
-              <a:t>2023/12/3</a:t>
+              <a:t>2023/12/23</a:t>
             </a:fld>
             <a:endParaRPr kumimoji="1" lang="ja-JP" altLang="en-US"/>
           </a:p>
@@ -748,7 +748,7 @@
           <a:p>
             <a:fld id="{5138E700-03AA-4D91-9C77-329D7597348F}" type="datetimeFigureOut">
               <a:rPr kumimoji="1" lang="ja-JP" altLang="en-US" smtClean="0"/>
-              <a:t>2023/12/3</a:t>
+              <a:t>2023/12/23</a:t>
             </a:fld>
             <a:endParaRPr kumimoji="1" lang="ja-JP" altLang="en-US"/>
           </a:p>
@@ -986,7 +986,7 @@
           <a:p>
             <a:fld id="{5138E700-03AA-4D91-9C77-329D7597348F}" type="datetimeFigureOut">
               <a:rPr kumimoji="1" lang="ja-JP" altLang="en-US" smtClean="0"/>
-              <a:t>2023/12/3</a:t>
+              <a:t>2023/12/23</a:t>
             </a:fld>
             <a:endParaRPr kumimoji="1" lang="ja-JP" altLang="en-US"/>
           </a:p>
@@ -1234,7 +1234,7 @@
           <a:p>
             <a:fld id="{5138E700-03AA-4D91-9C77-329D7597348F}" type="datetimeFigureOut">
               <a:rPr kumimoji="1" lang="ja-JP" altLang="en-US" smtClean="0"/>
-              <a:t>2023/12/3</a:t>
+              <a:t>2023/12/23</a:t>
             </a:fld>
             <a:endParaRPr kumimoji="1" lang="ja-JP" altLang="en-US"/>
           </a:p>
@@ -1472,7 +1472,7 @@
           <a:p>
             <a:fld id="{5138E700-03AA-4D91-9C77-329D7597348F}" type="datetimeFigureOut">
               <a:rPr kumimoji="1" lang="ja-JP" altLang="en-US" smtClean="0"/>
-              <a:t>2023/12/3</a:t>
+              <a:t>2023/12/23</a:t>
             </a:fld>
             <a:endParaRPr kumimoji="1" lang="ja-JP" altLang="en-US"/>
           </a:p>
@@ -1755,7 +1755,7 @@
           <a:p>
             <a:fld id="{5138E700-03AA-4D91-9C77-329D7597348F}" type="datetimeFigureOut">
               <a:rPr kumimoji="1" lang="ja-JP" altLang="en-US" smtClean="0"/>
-              <a:t>2023/12/3</a:t>
+              <a:t>2023/12/23</a:t>
             </a:fld>
             <a:endParaRPr kumimoji="1" lang="ja-JP" altLang="en-US"/>
           </a:p>
@@ -2092,7 +2092,7 @@
           <a:p>
             <a:fld id="{5138E700-03AA-4D91-9C77-329D7597348F}" type="datetimeFigureOut">
               <a:rPr kumimoji="1" lang="ja-JP" altLang="en-US" smtClean="0"/>
-              <a:t>2023/12/3</a:t>
+              <a:t>2023/12/23</a:t>
             </a:fld>
             <a:endParaRPr kumimoji="1" lang="ja-JP" altLang="en-US"/>
           </a:p>
@@ -2576,7 +2576,7 @@
           <a:p>
             <a:fld id="{5138E700-03AA-4D91-9C77-329D7597348F}" type="datetimeFigureOut">
               <a:rPr kumimoji="1" lang="ja-JP" altLang="en-US" smtClean="0"/>
-              <a:t>2023/12/3</a:t>
+              <a:t>2023/12/23</a:t>
             </a:fld>
             <a:endParaRPr kumimoji="1" lang="ja-JP" altLang="en-US"/>
           </a:p>
@@ -2725,7 +2725,7 @@
           <a:p>
             <a:fld id="{5138E700-03AA-4D91-9C77-329D7597348F}" type="datetimeFigureOut">
               <a:rPr kumimoji="1" lang="ja-JP" altLang="en-US" smtClean="0"/>
-              <a:t>2023/12/3</a:t>
+              <a:t>2023/12/23</a:t>
             </a:fld>
             <a:endParaRPr kumimoji="1" lang="ja-JP" altLang="en-US"/>
           </a:p>
@@ -2846,7 +2846,7 @@
           <a:p>
             <a:fld id="{5138E700-03AA-4D91-9C77-329D7597348F}" type="datetimeFigureOut">
               <a:rPr kumimoji="1" lang="ja-JP" altLang="en-US" smtClean="0"/>
-              <a:t>2023/12/3</a:t>
+              <a:t>2023/12/23</a:t>
             </a:fld>
             <a:endParaRPr kumimoji="1" lang="ja-JP" altLang="en-US"/>
           </a:p>
@@ -3197,7 +3197,7 @@
           <a:p>
             <a:fld id="{5138E700-03AA-4D91-9C77-329D7597348F}" type="datetimeFigureOut">
               <a:rPr kumimoji="1" lang="ja-JP" altLang="en-US" smtClean="0"/>
-              <a:t>2023/12/3</a:t>
+              <a:t>2023/12/23</a:t>
             </a:fld>
             <a:endParaRPr kumimoji="1" lang="ja-JP" altLang="en-US"/>
           </a:p>
@@ -3493,7 +3493,7 @@
           <a:p>
             <a:fld id="{5138E700-03AA-4D91-9C77-329D7597348F}" type="datetimeFigureOut">
               <a:rPr kumimoji="1" lang="ja-JP" altLang="en-US" smtClean="0"/>
-              <a:t>2023/12/3</a:t>
+              <a:t>2023/12/23</a:t>
             </a:fld>
             <a:endParaRPr kumimoji="1" lang="ja-JP" altLang="en-US"/>
           </a:p>
@@ -3774,7 +3774,7 @@
           <a:p>
             <a:fld id="{5138E700-03AA-4D91-9C77-329D7597348F}" type="datetimeFigureOut">
               <a:rPr kumimoji="1" lang="ja-JP" altLang="en-US" smtClean="0"/>
-              <a:t>2023/12/3</a:t>
+              <a:t>2023/12/23</a:t>
             </a:fld>
             <a:endParaRPr kumimoji="1" lang="ja-JP" altLang="en-US"/>
           </a:p>
@@ -5907,14 +5907,14 @@
           <p:nvPr>
             <p:extLst>
               <p:ext uri="{D42A27DB-BD31-4B8C-83A1-F6EECF244321}">
-                <p14:modId xmlns:p14="http://schemas.microsoft.com/office/powerpoint/2010/main" val="4208373631"/>
+                <p14:modId xmlns:p14="http://schemas.microsoft.com/office/powerpoint/2010/main" val="169047710"/>
               </p:ext>
             </p:extLst>
           </p:nvPr>
         </p:nvGraphicFramePr>
         <p:xfrm>
           <a:off x="992607" y="3308639"/>
-          <a:ext cx="10993625" cy="1127770"/>
+          <a:ext cx="10993625" cy="1310650"/>
         </p:xfrm>
         <a:graphic>
           <a:graphicData uri="http://schemas.openxmlformats.org/drawingml/2006/table">
@@ -5960,14 +5960,6 @@
                         </a:spcAft>
                         <a:buNone/>
                       </a:pPr>
-                      <a:r>
-                        <a:rPr lang="ja-JP" altLang="en-US" sz="2400" dirty="0"/>
-                        <a:t>９</a:t>
-                      </a:r>
-                      <a:r>
-                        <a:rPr lang="ja-JP" sz="2400" dirty="0"/>
-                        <a:t>月例会</a:t>
-                      </a:r>
                       <a:endParaRPr sz="2400" dirty="0"/>
                     </a:p>
                   </a:txBody>
@@ -5987,43 +5979,7 @@
                         </a:spcAft>
                         <a:buNone/>
                       </a:pPr>
-                      <a:r>
-                        <a:rPr lang="en-US" altLang="ja-JP" sz="2400" dirty="0"/>
-                        <a:t>9</a:t>
-                      </a:r>
-                      <a:r>
-                        <a:rPr lang="ja-JP" sz="2400" dirty="0"/>
-                        <a:t>月</a:t>
-                      </a:r>
-                      <a:r>
-                        <a:rPr lang="en-US" altLang="ja-JP" sz="2400" dirty="0"/>
-                        <a:t>8</a:t>
-                      </a:r>
-                      <a:r>
-                        <a:rPr lang="ja-JP" altLang="en-US" sz="2400" dirty="0"/>
-                        <a:t>日（水）</a:t>
-                      </a:r>
                       <a:endParaRPr lang="en-US" altLang="ja-JP" sz="2400" dirty="0"/>
-                    </a:p>
-                    <a:p>
-                      <a:pPr marL="0" marR="0" lvl="0" indent="0" algn="l" rtl="0">
-                        <a:spcBef>
-                          <a:spcPts val="0"/>
-                        </a:spcBef>
-                        <a:spcAft>
-                          <a:spcPts val="0"/>
-                        </a:spcAft>
-                        <a:buNone/>
-                      </a:pPr>
-                      <a:r>
-                        <a:rPr lang="en-US" sz="2400" dirty="0"/>
-                        <a:t>19:00</a:t>
-                      </a:r>
-                      <a:r>
-                        <a:rPr lang="ja-JP" altLang="en-US" sz="2400" dirty="0"/>
-                        <a:t>～</a:t>
-                      </a:r>
-                      <a:endParaRPr sz="2400" dirty="0"/>
                     </a:p>
                   </a:txBody>
                   <a:tcPr marL="91450" marR="91450" marT="45725" marB="45725"/>
@@ -6032,92 +5988,6 @@
                   <a:txBody>
                     <a:bodyPr/>
                     <a:lstStyle/>
-                    <a:p>
-                      <a:r>
-                        <a:rPr kumimoji="1" lang="ja-JP" altLang="ja-JP" sz="2400" kern="1200" dirty="0">
-                          <a:solidFill>
-                            <a:schemeClr val="tx1"/>
-                          </a:solidFill>
-                          <a:effectLst/>
-                          <a:latin typeface="+mn-lt"/>
-                          <a:ea typeface="+mn-ea"/>
-                          <a:cs typeface="+mn-cs"/>
-                        </a:rPr>
-                        <a:t>講師：</a:t>
-                      </a:r>
-                      <a:r>
-                        <a:rPr kumimoji="1" lang="ja-JP" altLang="en-US" sz="2400" kern="1200" dirty="0">
-                          <a:solidFill>
-                            <a:schemeClr val="tx1"/>
-                          </a:solidFill>
-                          <a:effectLst/>
-                          <a:latin typeface="+mn-lt"/>
-                          <a:ea typeface="+mn-ea"/>
-                          <a:cs typeface="+mn-cs"/>
-                        </a:rPr>
-                        <a:t>海原一仁</a:t>
-                      </a:r>
-                      <a:r>
-                        <a:rPr kumimoji="1" lang="ja-JP" altLang="ja-JP" sz="2400" kern="1200" dirty="0">
-                          <a:solidFill>
-                            <a:schemeClr val="tx1"/>
-                          </a:solidFill>
-                          <a:effectLst/>
-                          <a:latin typeface="+mn-lt"/>
-                          <a:ea typeface="+mn-ea"/>
-                          <a:cs typeface="+mn-cs"/>
-                        </a:rPr>
-                        <a:t>氏（</a:t>
-                      </a:r>
-                      <a:r>
-                        <a:rPr kumimoji="1" lang="zh-TW" altLang="en-US" sz="2400" kern="1200" dirty="0">
-                          <a:solidFill>
-                            <a:schemeClr val="tx1"/>
-                          </a:solidFill>
-                          <a:effectLst/>
-                          <a:latin typeface="+mn-lt"/>
-                          <a:ea typeface="+mn-ea"/>
-                          <a:cs typeface="+mn-cs"/>
-                        </a:rPr>
-                        <a:t>修習技術者</a:t>
-                      </a:r>
-                      <a:r>
-                        <a:rPr kumimoji="1" lang="en-US" altLang="ja-JP" sz="2400" kern="1200" dirty="0">
-                          <a:solidFill>
-                            <a:schemeClr val="tx1"/>
-                          </a:solidFill>
-                          <a:effectLst/>
-                          <a:latin typeface="+mn-lt"/>
-                          <a:ea typeface="+mn-ea"/>
-                          <a:cs typeface="+mn-cs"/>
-                        </a:rPr>
-                        <a:t>:</a:t>
-                      </a:r>
-                      <a:r>
-                        <a:rPr kumimoji="1" lang="zh-TW" altLang="en-US" sz="2400" kern="1200" dirty="0">
-                          <a:solidFill>
-                            <a:schemeClr val="tx1"/>
-                          </a:solidFill>
-                          <a:effectLst/>
-                          <a:latin typeface="+mn-lt"/>
-                          <a:ea typeface="+mn-ea"/>
-                          <a:cs typeface="+mn-cs"/>
-                        </a:rPr>
-                        <a:t>衛生工学部門</a:t>
-                      </a:r>
-                      <a:r>
-                        <a:rPr kumimoji="1" lang="ja-JP" altLang="ja-JP" sz="2400" kern="1200" dirty="0">
-                          <a:solidFill>
-                            <a:schemeClr val="tx1"/>
-                          </a:solidFill>
-                          <a:effectLst/>
-                          <a:latin typeface="+mn-lt"/>
-                          <a:ea typeface="+mn-ea"/>
-                          <a:cs typeface="+mn-cs"/>
-                        </a:rPr>
-                        <a:t>）</a:t>
-                      </a:r>
-                    </a:p>
                     <a:p>
                       <a:pPr marL="0" marR="0" lvl="0" indent="0" algn="l" defTabSz="914400" rtl="0" eaLnBrk="1" fontAlgn="auto" latinLnBrk="0" hangingPunct="1">
                         <a:lnSpc>
@@ -6136,45 +6006,9 @@
                         <a:tabLst/>
                         <a:defRPr/>
                       </a:pPr>
-                      <a:r>
-                        <a:rPr kumimoji="1" lang="ja-JP" altLang="ja-JP" sz="2400" kern="1200" dirty="0">
-                          <a:solidFill>
-                            <a:schemeClr val="tx1"/>
-                          </a:solidFill>
-                          <a:effectLst/>
-                          <a:latin typeface="+mn-lt"/>
-                          <a:ea typeface="+mn-ea"/>
-                          <a:cs typeface="+mn-cs"/>
-                        </a:rPr>
-                        <a:t>演題：「</a:t>
-                      </a:r>
-                      <a:r>
-                        <a:rPr kumimoji="1" lang="ja-JP" altLang="en-US" sz="2400" b="0" i="0" kern="1200" dirty="0">
-                          <a:solidFill>
-                            <a:schemeClr val="tx1"/>
-                          </a:solidFill>
-                          <a:effectLst/>
-                          <a:latin typeface="+mn-lt"/>
-                          <a:ea typeface="+mn-ea"/>
-                          <a:cs typeface="+mn-cs"/>
-                        </a:rPr>
-                        <a:t>小規模自転車イベントの開催事例</a:t>
-                      </a:r>
-                      <a:r>
-                        <a:rPr kumimoji="1" lang="ja-JP" altLang="ja-JP" sz="2400" kern="1200" dirty="0">
-                          <a:solidFill>
-                            <a:schemeClr val="tx1"/>
-                          </a:solidFill>
-                          <a:effectLst/>
-                          <a:latin typeface="+mn-lt"/>
-                          <a:ea typeface="+mn-ea"/>
-                          <a:cs typeface="+mn-cs"/>
-                        </a:rPr>
-                        <a:t>」</a:t>
-                      </a:r>
-                      <a:endParaRPr kumimoji="1" lang="en-US" altLang="ja-JP" sz="2400" kern="1200" dirty="0">
+                      <a:endParaRPr kumimoji="1" lang="en-US" altLang="ja-JP" sz="2000" kern="1200" dirty="0">
                         <a:solidFill>
-                          <a:schemeClr val="tx1"/>
+                          <a:srgbClr val="FF0000"/>
                         </a:solidFill>
                         <a:effectLst/>
                         <a:latin typeface="+mn-lt"/>
@@ -6200,30 +6034,62 @@
                         <a:tabLst/>
                         <a:defRPr/>
                       </a:pPr>
-                      <a:r>
-                        <a:rPr kumimoji="1" lang="en-US" altLang="ja-JP" sz="2000" kern="1200" dirty="0">
-                          <a:solidFill>
-                            <a:srgbClr val="FF0000"/>
-                          </a:solidFill>
-                          <a:effectLst/>
-                          <a:latin typeface="+mn-lt"/>
-                          <a:ea typeface="+mn-ea"/>
-                          <a:cs typeface="+mn-cs"/>
-                        </a:rPr>
-                        <a:t>※</a:t>
-                      </a:r>
-                      <a:r>
-                        <a:rPr kumimoji="1" lang="ja-JP" altLang="en-US" sz="2000" kern="1200" dirty="0">
-                          <a:solidFill>
-                            <a:srgbClr val="FF0000"/>
-                          </a:solidFill>
-                          <a:effectLst/>
-                          <a:latin typeface="+mn-lt"/>
-                          <a:ea typeface="+mn-ea"/>
-                          <a:cs typeface="+mn-cs"/>
-                        </a:rPr>
-                        <a:t>青年技術士交流会の内部勉強会になります。</a:t>
-                      </a:r>
+                      <a:endParaRPr kumimoji="1" lang="en-US" altLang="ja-JP" sz="2000" kern="1200" dirty="0">
+                        <a:solidFill>
+                          <a:srgbClr val="FF0000"/>
+                        </a:solidFill>
+                        <a:effectLst/>
+                        <a:latin typeface="+mn-lt"/>
+                        <a:ea typeface="+mn-ea"/>
+                        <a:cs typeface="+mn-cs"/>
+                      </a:endParaRPr>
+                    </a:p>
+                    <a:p>
+                      <a:pPr marL="0" marR="0" lvl="0" indent="0" algn="l" defTabSz="914400" rtl="0" eaLnBrk="1" fontAlgn="auto" latinLnBrk="0" hangingPunct="1">
+                        <a:lnSpc>
+                          <a:spcPct val="100000"/>
+                        </a:lnSpc>
+                        <a:spcBef>
+                          <a:spcPts val="0"/>
+                        </a:spcBef>
+                        <a:spcAft>
+                          <a:spcPts val="0"/>
+                        </a:spcAft>
+                        <a:buClrTx/>
+                        <a:buSzTx/>
+                        <a:buFontTx/>
+                        <a:buNone/>
+                        <a:tabLst/>
+                        <a:defRPr/>
+                      </a:pPr>
+                      <a:endParaRPr kumimoji="1" lang="en-US" altLang="ja-JP" sz="2000" kern="1200" dirty="0">
+                        <a:solidFill>
+                          <a:srgbClr val="FF0000"/>
+                        </a:solidFill>
+                        <a:effectLst/>
+                        <a:latin typeface="+mn-lt"/>
+                        <a:ea typeface="+mn-ea"/>
+                        <a:cs typeface="+mn-cs"/>
+                      </a:endParaRPr>
+                    </a:p>
+                    <a:p>
+                      <a:pPr marL="0" marR="0" lvl="0" indent="0" algn="l" defTabSz="914400" rtl="0" eaLnBrk="1" fontAlgn="auto" latinLnBrk="0" hangingPunct="1">
+                        <a:lnSpc>
+                          <a:spcPct val="100000"/>
+                        </a:lnSpc>
+                        <a:spcBef>
+                          <a:spcPts val="0"/>
+                        </a:spcBef>
+                        <a:spcAft>
+                          <a:spcPts val="0"/>
+                        </a:spcAft>
+                        <a:buClrTx/>
+                        <a:buSzTx/>
+                        <a:buFontTx/>
+                        <a:buNone/>
+                        <a:tabLst/>
+                        <a:defRPr/>
+                      </a:pPr>
                       <a:endParaRPr kumimoji="1" lang="en-US" altLang="ja-JP" sz="2000" kern="1200" dirty="0">
                         <a:solidFill>
                           <a:srgbClr val="FF0000"/>
@@ -6499,6 +6365,387 @@
                   <a:lumMod val="75000"/>
                 </a:schemeClr>
               </a:solidFill>
+            </a:endParaRPr>
+          </a:p>
+        </p:txBody>
+      </p:sp>
+      <p:sp>
+        <p:nvSpPr>
+          <p:cNvPr id="4" name="txtbox_next_title">
+            <a:extLst>
+              <a:ext uri="{FF2B5EF4-FFF2-40B4-BE49-F238E27FC236}">
+                <a16:creationId xmlns:a16="http://schemas.microsoft.com/office/drawing/2014/main" id="{2F449A3F-3D40-5BBD-B177-732559947362}"/>
+              </a:ext>
+            </a:extLst>
+          </p:cNvPr>
+          <p:cNvSpPr txBox="1"/>
+          <p:nvPr/>
+        </p:nvSpPr>
+        <p:spPr>
+          <a:xfrm>
+            <a:off x="1027325" y="3379599"/>
+            <a:ext cx="1505966" cy="1181021"/>
+          </a:xfrm>
+          <a:prstGeom prst="rect">
+            <a:avLst/>
+          </a:prstGeom>
+          <a:noFill/>
+        </p:spPr>
+        <p:txBody>
+          <a:bodyPr wrap="square" rtlCol="0">
+            <a:noAutofit/>
+          </a:bodyPr>
+          <a:lstStyle/>
+          <a:p>
+            <a:r>
+              <a:rPr lang="ja-JP" altLang="en-US" sz="2400"/>
+              <a:t>９月例会</a:t>
+            </a:r>
+          </a:p>
+          <a:p>
+            <a:endParaRPr kumimoji="1" lang="ja-JP" altLang="ja-JP" sz="2400" b="0" kern="1200">
+              <a:solidFill>
+                <a:schemeClr val="tx1"/>
+              </a:solidFill>
+              <a:effectLst/>
+              <a:latin typeface="+mn-ea"/>
+              <a:ea typeface="+mn-ea"/>
+              <a:cs typeface="+mn-cs"/>
+            </a:endParaRPr>
+          </a:p>
+        </p:txBody>
+      </p:sp>
+      <p:sp>
+        <p:nvSpPr>
+          <p:cNvPr id="6" name="txtbox_next_schedule">
+            <a:extLst>
+              <a:ext uri="{FF2B5EF4-FFF2-40B4-BE49-F238E27FC236}">
+                <a16:creationId xmlns:a16="http://schemas.microsoft.com/office/drawing/2014/main" id="{EEEE9227-420C-880A-C3C4-2AA4B0719B34}"/>
+              </a:ext>
+            </a:extLst>
+          </p:cNvPr>
+          <p:cNvSpPr txBox="1"/>
+          <p:nvPr/>
+        </p:nvSpPr>
+        <p:spPr>
+          <a:xfrm>
+            <a:off x="2641850" y="3379600"/>
+            <a:ext cx="2066591" cy="830997"/>
+          </a:xfrm>
+          <a:prstGeom prst="rect">
+            <a:avLst/>
+          </a:prstGeom>
+          <a:noFill/>
+        </p:spPr>
+        <p:txBody>
+          <a:bodyPr wrap="none" rtlCol="0">
+            <a:spAutoFit/>
+          </a:bodyPr>
+          <a:lstStyle/>
+          <a:p>
+            <a:pPr marL="0" marR="0" lvl="0" indent="0" algn="l" rtl="0">
+              <a:spcBef>
+                <a:spcPts val="0"/>
+              </a:spcBef>
+              <a:spcAft>
+                <a:spcPts val="0"/>
+              </a:spcAft>
+              <a:buNone/>
+            </a:pPr>
+            <a:r>
+              <a:rPr lang="en-US" altLang="ja-JP" sz="2400" dirty="0"/>
+              <a:t>9</a:t>
+            </a:r>
+            <a:r>
+              <a:rPr lang="ja-JP" altLang="en-US" sz="2400"/>
+              <a:t>月</a:t>
+            </a:r>
+            <a:r>
+              <a:rPr lang="en-US" altLang="ja-JP" sz="2400" dirty="0"/>
+              <a:t>8</a:t>
+            </a:r>
+            <a:r>
+              <a:rPr lang="ja-JP" altLang="en-US" sz="2400"/>
+              <a:t>日（水）</a:t>
+            </a:r>
+          </a:p>
+          <a:p>
+            <a:pPr marL="0" marR="0" lvl="0" indent="0" algn="l" rtl="0">
+              <a:spcBef>
+                <a:spcPts val="0"/>
+              </a:spcBef>
+              <a:spcAft>
+                <a:spcPts val="0"/>
+              </a:spcAft>
+              <a:buNone/>
+            </a:pPr>
+            <a:r>
+              <a:rPr lang="en-US" altLang="ja-JP" sz="2400" dirty="0"/>
+              <a:t>19:00</a:t>
+            </a:r>
+            <a:r>
+              <a:rPr lang="ja-JP" altLang="en-US" sz="2400"/>
+              <a:t>～</a:t>
+            </a:r>
+          </a:p>
+        </p:txBody>
+      </p:sp>
+      <p:sp>
+        <p:nvSpPr>
+          <p:cNvPr id="9" name="txtbox_next_koushi_endai">
+            <a:extLst>
+              <a:ext uri="{FF2B5EF4-FFF2-40B4-BE49-F238E27FC236}">
+                <a16:creationId xmlns:a16="http://schemas.microsoft.com/office/drawing/2014/main" id="{8AEC4B1D-2477-C5CB-5619-F783D93BA790}"/>
+              </a:ext>
+            </a:extLst>
+          </p:cNvPr>
+          <p:cNvSpPr txBox="1"/>
+          <p:nvPr/>
+        </p:nvSpPr>
+        <p:spPr>
+          <a:xfrm>
+            <a:off x="4907195" y="3379601"/>
+            <a:ext cx="6736139" cy="830997"/>
+          </a:xfrm>
+          <a:prstGeom prst="rect">
+            <a:avLst/>
+          </a:prstGeom>
+          <a:noFill/>
+        </p:spPr>
+        <p:txBody>
+          <a:bodyPr wrap="none" rtlCol="0">
+            <a:spAutoFit/>
+          </a:bodyPr>
+          <a:lstStyle/>
+          <a:p>
+            <a:r>
+              <a:rPr kumimoji="1" lang="ja-JP" altLang="ja-JP" sz="2400" kern="1200">
+                <a:solidFill>
+                  <a:schemeClr val="tx1"/>
+                </a:solidFill>
+                <a:effectLst/>
+                <a:latin typeface="+mn-lt"/>
+                <a:ea typeface="+mn-ea"/>
+                <a:cs typeface="+mn-cs"/>
+              </a:rPr>
+              <a:t>講師：</a:t>
+            </a:r>
+            <a:r>
+              <a:rPr kumimoji="1" lang="ja-JP" altLang="en-US" sz="2400" kern="1200">
+                <a:solidFill>
+                  <a:schemeClr val="tx1"/>
+                </a:solidFill>
+                <a:effectLst/>
+                <a:latin typeface="+mn-lt"/>
+                <a:ea typeface="+mn-ea"/>
+                <a:cs typeface="+mn-cs"/>
+              </a:rPr>
+              <a:t>海原一仁</a:t>
+            </a:r>
+            <a:r>
+              <a:rPr kumimoji="1" lang="ja-JP" altLang="ja-JP" sz="2400" kern="1200">
+                <a:solidFill>
+                  <a:schemeClr val="tx1"/>
+                </a:solidFill>
+                <a:effectLst/>
+                <a:latin typeface="+mn-lt"/>
+                <a:ea typeface="+mn-ea"/>
+                <a:cs typeface="+mn-cs"/>
+              </a:rPr>
+              <a:t>氏（</a:t>
+            </a:r>
+            <a:r>
+              <a:rPr kumimoji="1" lang="zh-TW" altLang="en-US" sz="2400" kern="1200" dirty="0">
+                <a:solidFill>
+                  <a:schemeClr val="tx1"/>
+                </a:solidFill>
+                <a:effectLst/>
+                <a:latin typeface="+mn-lt"/>
+                <a:ea typeface="+mn-ea"/>
+                <a:cs typeface="+mn-cs"/>
+              </a:rPr>
+              <a:t>修習技術者</a:t>
+            </a:r>
+            <a:r>
+              <a:rPr kumimoji="1" lang="en-US" altLang="ja-JP" sz="2400" kern="1200" dirty="0">
+                <a:solidFill>
+                  <a:schemeClr val="tx1"/>
+                </a:solidFill>
+                <a:effectLst/>
+                <a:latin typeface="+mn-lt"/>
+                <a:ea typeface="+mn-ea"/>
+                <a:cs typeface="+mn-cs"/>
+              </a:rPr>
+              <a:t>:</a:t>
+            </a:r>
+            <a:r>
+              <a:rPr kumimoji="1" lang="zh-TW" altLang="en-US" sz="2400" kern="1200" dirty="0">
+                <a:solidFill>
+                  <a:schemeClr val="tx1"/>
+                </a:solidFill>
+                <a:effectLst/>
+                <a:latin typeface="+mn-lt"/>
+                <a:ea typeface="+mn-ea"/>
+                <a:cs typeface="+mn-cs"/>
+              </a:rPr>
+              <a:t>衛生工学部門</a:t>
+            </a:r>
+            <a:r>
+              <a:rPr kumimoji="1" lang="ja-JP" altLang="ja-JP" sz="2400" kern="1200">
+                <a:solidFill>
+                  <a:schemeClr val="tx1"/>
+                </a:solidFill>
+                <a:effectLst/>
+                <a:latin typeface="+mn-lt"/>
+                <a:ea typeface="+mn-ea"/>
+                <a:cs typeface="+mn-cs"/>
+              </a:rPr>
+              <a:t>）</a:t>
+            </a:r>
+          </a:p>
+          <a:p>
+            <a:pPr marL="0" marR="0" lvl="0" indent="0" algn="l" defTabSz="914400" rtl="0" eaLnBrk="1" fontAlgn="auto" latinLnBrk="0" hangingPunct="1">
+              <a:lnSpc>
+                <a:spcPct val="100000"/>
+              </a:lnSpc>
+              <a:spcBef>
+                <a:spcPts val="0"/>
+              </a:spcBef>
+              <a:spcAft>
+                <a:spcPts val="0"/>
+              </a:spcAft>
+              <a:buClrTx/>
+              <a:buSzTx/>
+              <a:buFontTx/>
+              <a:buNone/>
+              <a:tabLst/>
+              <a:defRPr/>
+            </a:pPr>
+            <a:r>
+              <a:rPr kumimoji="1" lang="ja-JP" altLang="ja-JP" sz="2400" kern="1200">
+                <a:solidFill>
+                  <a:schemeClr val="tx1"/>
+                </a:solidFill>
+                <a:effectLst/>
+                <a:latin typeface="+mn-lt"/>
+                <a:ea typeface="+mn-ea"/>
+                <a:cs typeface="+mn-cs"/>
+              </a:rPr>
+              <a:t>演題：「</a:t>
+            </a:r>
+            <a:r>
+              <a:rPr kumimoji="1" lang="ja-JP" altLang="en-US" sz="2400" b="0" i="0" kern="1200">
+                <a:solidFill>
+                  <a:schemeClr val="tx1"/>
+                </a:solidFill>
+                <a:effectLst/>
+                <a:latin typeface="+mn-lt"/>
+                <a:ea typeface="+mn-ea"/>
+                <a:cs typeface="+mn-cs"/>
+              </a:rPr>
+              <a:t>小規模自転車イベントの開催事例</a:t>
+            </a:r>
+            <a:r>
+              <a:rPr kumimoji="1" lang="ja-JP" altLang="ja-JP" sz="2400" kern="1200">
+                <a:solidFill>
+                  <a:schemeClr val="tx1"/>
+                </a:solidFill>
+                <a:effectLst/>
+                <a:latin typeface="+mn-lt"/>
+                <a:ea typeface="+mn-ea"/>
+                <a:cs typeface="+mn-cs"/>
+              </a:rPr>
+              <a:t>」</a:t>
+            </a:r>
+            <a:endParaRPr kumimoji="1" lang="en-US" altLang="ja-JP" sz="2400" kern="1200" dirty="0">
+              <a:solidFill>
+                <a:schemeClr val="tx1"/>
+              </a:solidFill>
+              <a:effectLst/>
+              <a:latin typeface="+mn-lt"/>
+              <a:ea typeface="+mn-ea"/>
+              <a:cs typeface="+mn-cs"/>
+            </a:endParaRPr>
+          </a:p>
+        </p:txBody>
+      </p:sp>
+      <p:sp>
+        <p:nvSpPr>
+          <p:cNvPr id="10" name="txtbox_seigikou_only">
+            <a:extLst>
+              <a:ext uri="{FF2B5EF4-FFF2-40B4-BE49-F238E27FC236}">
+                <a16:creationId xmlns:a16="http://schemas.microsoft.com/office/drawing/2014/main" id="{FF30EFDD-C899-DE7F-71BD-A8F67039C491}"/>
+              </a:ext>
+            </a:extLst>
+          </p:cNvPr>
+          <p:cNvSpPr txBox="1"/>
+          <p:nvPr/>
+        </p:nvSpPr>
+        <p:spPr>
+          <a:xfrm>
+            <a:off x="4975904" y="4191288"/>
+            <a:ext cx="5032147" cy="369332"/>
+          </a:xfrm>
+          <a:prstGeom prst="rect">
+            <a:avLst/>
+          </a:prstGeom>
+          <a:noFill/>
+        </p:spPr>
+        <p:txBody>
+          <a:bodyPr wrap="none" rtlCol="0">
+            <a:spAutoFit/>
+          </a:bodyPr>
+          <a:lstStyle/>
+          <a:p>
+            <a:pPr marL="0" marR="0" lvl="0" indent="0" algn="l" defTabSz="914400" rtl="0" eaLnBrk="1" fontAlgn="auto" latinLnBrk="0" hangingPunct="1">
+              <a:lnSpc>
+                <a:spcPct val="100000"/>
+              </a:lnSpc>
+              <a:spcBef>
+                <a:spcPts val="0"/>
+              </a:spcBef>
+              <a:spcAft>
+                <a:spcPts val="0"/>
+              </a:spcAft>
+              <a:buClrTx/>
+              <a:buSzTx/>
+              <a:buFontTx/>
+              <a:buNone/>
+              <a:tabLst/>
+              <a:defRPr/>
+            </a:pPr>
+            <a:r>
+              <a:rPr kumimoji="1" lang="en-US" altLang="ja-JP" kern="1200" dirty="0">
+                <a:solidFill>
+                  <a:srgbClr val="FF0000"/>
+                </a:solidFill>
+                <a:effectLst/>
+                <a:latin typeface="+mn-lt"/>
+                <a:ea typeface="+mn-ea"/>
+                <a:cs typeface="+mn-cs"/>
+              </a:rPr>
+              <a:t>※</a:t>
+            </a:r>
+            <a:r>
+              <a:rPr kumimoji="1" lang="ja-JP" altLang="en-US" kern="1200">
+                <a:solidFill>
+                  <a:srgbClr val="FF0000"/>
+                </a:solidFill>
+                <a:effectLst/>
+                <a:latin typeface="+mn-lt"/>
+                <a:ea typeface="+mn-ea"/>
+                <a:cs typeface="+mn-cs"/>
+              </a:rPr>
+              <a:t>青年技術士交流会の内部勉強会になります。</a:t>
+            </a:r>
+            <a:endParaRPr kumimoji="1" lang="en-US" altLang="ja-JP" kern="1200" dirty="0">
+              <a:solidFill>
+                <a:srgbClr val="FF0000"/>
+              </a:solidFill>
+              <a:effectLst/>
+              <a:latin typeface="+mn-lt"/>
+              <a:ea typeface="+mn-ea"/>
+              <a:cs typeface="+mn-cs"/>
             </a:endParaRPr>
           </a:p>
         </p:txBody>
